--- a/02. Criterios Básicos del Diseño.pptx
+++ b/02. Criterios Básicos del Diseño.pptx
@@ -234,7 +234,7 @@
           <a:p>
             <a:fld id="{B68CBA93-62C0-6B41-AC22-0ABAF1A5553B}" type="datetimeFigureOut">
               <a:rPr lang="es-ES" smtClean="0"/>
-              <a:t>23/3/15</a:t>
+              <a:t>27/3/15</a:t>
             </a:fld>
             <a:endParaRPr lang="es-ES"/>
           </a:p>
@@ -400,7 +400,7 @@
           <a:p>
             <a:fld id="{A47750A4-7C96-D245-ABDC-2F525248AB33}" type="datetimeFigureOut">
               <a:rPr lang="es-ES" smtClean="0"/>
-              <a:t>23/3/15</a:t>
+              <a:t>27/3/15</a:t>
             </a:fld>
             <a:endParaRPr lang="es-ES"/>
           </a:p>
@@ -2481,7 +2481,7 @@
           <a:p>
             <a:fld id="{C77F134A-D5A8-A342-86F7-F839CD1A6207}" type="datetime1">
               <a:rPr lang="es-AR" smtClean="0"/>
-              <a:t>23/3/15</a:t>
+              <a:t>27/3/15</a:t>
             </a:fld>
             <a:endParaRPr lang="es-ES"/>
           </a:p>
@@ -2666,7 +2666,7 @@
           <a:p>
             <a:fld id="{EB5F1524-71F8-044E-BE57-716DFAC0B1A0}" type="datetime1">
               <a:rPr lang="es-AR" smtClean="0"/>
-              <a:t>23/3/15</a:t>
+              <a:t>27/3/15</a:t>
             </a:fld>
             <a:endParaRPr lang="es-ES"/>
           </a:p>
@@ -2821,7 +2821,7 @@
           <a:p>
             <a:fld id="{F05E6CCF-39DE-9E49-814D-BAF75DC4FC71}" type="datetime1">
               <a:rPr lang="es-AR" smtClean="0"/>
-              <a:t>23/3/15</a:t>
+              <a:t>27/3/15</a:t>
             </a:fld>
             <a:endParaRPr lang="es-ES"/>
           </a:p>
@@ -4651,7 +4651,7 @@
           <a:p>
             <a:fld id="{1693591A-C488-D949-8636-636C41720D2A}" type="datetime1">
               <a:rPr lang="es-AR" smtClean="0"/>
-              <a:t>23/3/15</a:t>
+              <a:t>27/3/15</a:t>
             </a:fld>
             <a:endParaRPr lang="es-ES"/>
           </a:p>
@@ -6525,7 +6525,7 @@
           <a:p>
             <a:fld id="{3062A65C-D9A8-5143-B226-93D750FC8585}" type="datetime1">
               <a:rPr lang="es-AR" smtClean="0"/>
-              <a:t>23/3/15</a:t>
+              <a:t>27/3/15</a:t>
             </a:fld>
             <a:endParaRPr lang="es-ES"/>
           </a:p>
@@ -6642,7 +6642,7 @@
           <a:p>
             <a:fld id="{A4779CED-A0FC-B042-9645-55BC8C3C85A8}" type="datetime1">
               <a:rPr lang="es-AR" smtClean="0"/>
-              <a:t>23/3/15</a:t>
+              <a:t>27/3/15</a:t>
             </a:fld>
             <a:endParaRPr lang="es-ES"/>
           </a:p>
@@ -7187,7 +7187,7 @@
           <a:p>
             <a:fld id="{41D160B3-E4ED-A54C-B722-E84D23AEE4F8}" type="datetime1">
               <a:rPr lang="es-AR" smtClean="0"/>
-              <a:t>23/3/15</a:t>
+              <a:t>27/3/15</a:t>
             </a:fld>
             <a:endParaRPr lang="es-ES"/>
           </a:p>
@@ -7304,7 +7304,7 @@
           <a:p>
             <a:fld id="{B188FE9E-F746-434D-807E-E0610D5715C8}" type="datetime1">
               <a:rPr lang="es-AR" smtClean="0"/>
-              <a:t>23/3/15</a:t>
+              <a:t>27/3/15</a:t>
             </a:fld>
             <a:endParaRPr lang="es-ES"/>
           </a:p>
@@ -9019,7 +9019,7 @@
           <a:p>
             <a:fld id="{2FB920BA-A84B-AA45-87CA-5B744B459ECC}" type="datetime1">
               <a:rPr lang="es-AR" smtClean="0"/>
-              <a:t>23/3/15</a:t>
+              <a:t>27/3/15</a:t>
             </a:fld>
             <a:endParaRPr lang="es-ES"/>
           </a:p>
@@ -9174,7 +9174,7 @@
           <a:p>
             <a:fld id="{4DF31678-B0E5-824B-BE73-BC6BB5EC88BE}" type="datetime1">
               <a:rPr lang="es-AR" smtClean="0"/>
-              <a:t>23/3/15</a:t>
+              <a:t>27/3/15</a:t>
             </a:fld>
             <a:endParaRPr lang="es-ES"/>
           </a:p>
@@ -12793,7 +12793,7 @@
           <a:p>
             <a:fld id="{90329D26-A0B4-7C4B-9334-0802843137C6}" type="datetime1">
               <a:rPr lang="es-AR" smtClean="0"/>
-              <a:t>23/3/15</a:t>
+              <a:t>27/3/15</a:t>
             </a:fld>
             <a:endParaRPr lang="es-ES"/>
           </a:p>
@@ -14656,7 +14656,7 @@
           <a:p>
             <a:fld id="{C26BFE87-B3E1-3644-83E8-34F414DBED77}" type="datetime1">
               <a:rPr lang="es-AR" smtClean="0"/>
-              <a:t>23/3/15</a:t>
+              <a:t>27/3/15</a:t>
             </a:fld>
             <a:endParaRPr lang="es-ES"/>
           </a:p>
@@ -15525,7 +15525,7 @@
           <a:p>
             <a:fld id="{FDED1415-9E38-3B41-8A67-5DF296B7BC3F}" type="datetime1">
               <a:rPr lang="es-AR" smtClean="0"/>
-              <a:t>23/3/15</a:t>
+              <a:t>27/3/15</a:t>
             </a:fld>
             <a:endParaRPr lang="es-ES"/>
           </a:p>
@@ -15887,7 +15887,7 @@
           <a:p>
             <a:fld id="{098B860E-33A9-5F48-89A8-31EFB227F3BF}" type="datetime1">
               <a:rPr lang="es-AR" smtClean="0"/>
-              <a:t>23/3/15</a:t>
+              <a:t>27/3/15</a:t>
             </a:fld>
             <a:endParaRPr lang="es-ES"/>
           </a:p>
@@ -16859,7 +16859,7 @@
           <a:p>
             <a:fld id="{7A797794-CA5C-F24F-8C8D-84D0E32DA630}" type="datetime1">
               <a:rPr lang="es-AR" smtClean="0"/>
-              <a:t>23/3/15</a:t>
+              <a:t>27/3/15</a:t>
             </a:fld>
             <a:endParaRPr lang="es-ES"/>
           </a:p>
@@ -17241,7 +17241,7 @@
           <a:p>
             <a:fld id="{7D9D17DD-CA46-1849-9FE2-4DF7C1E1D2D7}" type="datetime1">
               <a:rPr lang="es-AR" smtClean="0"/>
-              <a:t>23/3/15</a:t>
+              <a:t>27/3/15</a:t>
             </a:fld>
             <a:endParaRPr lang="es-ES"/>
           </a:p>
@@ -17354,7 +17354,7 @@
         </p:nvSpPr>
         <p:spPr>
           <a:xfrm>
-            <a:off x="457200" y="1854826"/>
+            <a:off x="505305" y="1758606"/>
             <a:ext cx="4572000" cy="4678202"/>
           </a:xfrm>
           <a:prstGeom prst="rect">
@@ -17880,7 +17880,7 @@
           <a:p>
             <a:fld id="{36737C78-2EC5-A14E-8C09-68CF4BA10412}" type="datetime1">
               <a:rPr lang="es-AR" smtClean="0"/>
-              <a:t>23/3/15</a:t>
+              <a:t>27/3/15</a:t>
             </a:fld>
             <a:endParaRPr lang="es-ES"/>
           </a:p>
@@ -18242,7 +18242,7 @@
           <a:p>
             <a:fld id="{B9556154-EC3A-4F44-AEC4-DC5AD4C96BF4}" type="datetime1">
               <a:rPr lang="es-AR" smtClean="0"/>
-              <a:t>23/3/15</a:t>
+              <a:t>27/3/15</a:t>
             </a:fld>
             <a:endParaRPr lang="es-ES"/>
           </a:p>
@@ -18355,7 +18355,7 @@
         </p:nvSpPr>
         <p:spPr>
           <a:xfrm>
-            <a:off x="722922" y="1836616"/>
+            <a:off x="722922" y="1591056"/>
             <a:ext cx="4572000" cy="4803878"/>
           </a:xfrm>
           <a:prstGeom prst="rect">
@@ -18378,13 +18378,6 @@
                 <a:spcPct val="90000"/>
               </a:lnSpc>
             </a:pPr>
-            <a:r>
-              <a:rPr lang="es-ES" sz="1000" dirty="0"/>
-              <a:t/>
-            </a:r>
-            <a:br>
-              <a:rPr lang="es-ES" sz="1000" dirty="0"/>
-            </a:br>
             <a:r>
               <a:rPr lang="es-ES" sz="1000" b="1" dirty="0" err="1" smtClean="0"/>
               <a:t>class</a:t>
@@ -19185,7 +19178,7 @@
           <a:p>
             <a:fld id="{87F0720E-B57B-DC42-BB19-755244343793}" type="datetime1">
               <a:rPr lang="es-AR" smtClean="0"/>
-              <a:t>23/3/15</a:t>
+              <a:t>27/3/15</a:t>
             </a:fld>
             <a:endParaRPr lang="es-ES"/>
           </a:p>
@@ -19537,7 +19530,7 @@
           <a:p>
             <a:fld id="{8A23AAC1-5DD7-6741-8740-A0E77FFF3F8B}" type="datetime1">
               <a:rPr lang="es-AR" smtClean="0"/>
-              <a:t>23/3/15</a:t>
+              <a:t>27/3/15</a:t>
             </a:fld>
             <a:endParaRPr lang="es-ES"/>
           </a:p>
@@ -22783,7 +22776,7 @@
           <a:p>
             <a:fld id="{B357FEAE-556C-AB4E-8CD9-6C2BA8451F33}" type="datetime1">
               <a:rPr lang="es-AR" smtClean="0"/>
-              <a:t>23/3/15</a:t>
+              <a:t>27/3/15</a:t>
             </a:fld>
             <a:endParaRPr lang="es-ES"/>
           </a:p>
@@ -25235,7 +25228,7 @@
           <a:p>
             <a:fld id="{3814BECE-DE4D-FC41-A3DA-AE8BD31A8BDC}" type="datetime1">
               <a:rPr lang="es-AR" smtClean="0"/>
-              <a:t>23/3/15</a:t>
+              <a:t>27/3/15</a:t>
             </a:fld>
             <a:endParaRPr lang="es-ES"/>
           </a:p>
@@ -25329,8 +25322,8 @@
         </p:nvSpPr>
         <p:spPr>
           <a:xfrm>
-            <a:off x="457202" y="2032000"/>
-            <a:ext cx="6408496" cy="4341091"/>
+            <a:off x="457202" y="2857700"/>
+            <a:ext cx="8077038" cy="3515391"/>
           </a:xfrm>
         </p:spPr>
         <p:txBody>
@@ -25424,7 +25417,7 @@
           <a:p>
             <a:fld id="{AFE5BDE4-65E7-544B-B5DC-6558F815FAE0}" type="datetime1">
               <a:rPr lang="es-AR" smtClean="0"/>
-              <a:t>23/3/15</a:t>
+              <a:t>27/3/15</a:t>
             </a:fld>
             <a:endParaRPr lang="es-ES"/>
           </a:p>
@@ -25773,7 +25766,7 @@
           <a:p>
             <a:fld id="{EE140D90-D7AE-5946-8034-954FAA7028CD}" type="datetime1">
               <a:rPr lang="es-AR" smtClean="0"/>
-              <a:t>23/3/15</a:t>
+              <a:t>27/3/15</a:t>
             </a:fld>
             <a:endParaRPr lang="es-ES"/>
           </a:p>
@@ -26014,7 +26007,7 @@
           <a:p>
             <a:fld id="{39EC6170-8495-9A4D-A3A2-80E386E0CA52}" type="datetime1">
               <a:rPr lang="es-AR" smtClean="0"/>
-              <a:t>23/3/15</a:t>
+              <a:t>27/3/15</a:t>
             </a:fld>
             <a:endParaRPr lang="es-ES"/>
           </a:p>
@@ -26228,7 +26221,7 @@
           <a:p>
             <a:fld id="{9080FD31-30C4-6246-8C0B-1E4B6C239C9A}" type="datetime1">
               <a:rPr lang="es-AR" smtClean="0"/>
-              <a:t>23/3/15</a:t>
+              <a:t>27/3/15</a:t>
             </a:fld>
             <a:endParaRPr lang="es-ES"/>
           </a:p>
@@ -26463,7 +26456,7 @@
           <a:p>
             <a:fld id="{DDE3F034-4032-4143-B988-2B033603F970}" type="datetime1">
               <a:rPr lang="es-AR" smtClean="0"/>
-              <a:t>23/3/15</a:t>
+              <a:t>27/3/15</a:t>
             </a:fld>
             <a:endParaRPr lang="es-ES"/>
           </a:p>
@@ -26636,7 +26629,7 @@
           <a:p>
             <a:fld id="{396D5344-D1B1-A749-8591-6FA0198B8A98}" type="datetime1">
               <a:rPr lang="es-AR" smtClean="0"/>
-              <a:t>23/3/15</a:t>
+              <a:t>27/3/15</a:t>
             </a:fld>
             <a:endParaRPr lang="es-ES"/>
           </a:p>
@@ -26777,7 +26770,7 @@
           <a:p>
             <a:fld id="{7F96346B-C3AF-7D42-8D02-53BBC5836CA8}" type="datetime1">
               <a:rPr lang="es-AR" smtClean="0"/>
-              <a:t>23/3/15</a:t>
+              <a:t>27/3/15</a:t>
             </a:fld>
             <a:endParaRPr lang="es-ES"/>
           </a:p>
@@ -27012,7 +27005,7 @@
           <a:p>
             <a:fld id="{430AA6EC-1D29-2546-8140-176F7FA0E3EC}" type="datetime1">
               <a:rPr lang="es-AR" smtClean="0"/>
-              <a:t>23/3/15</a:t>
+              <a:t>27/3/15</a:t>
             </a:fld>
             <a:endParaRPr lang="es-ES"/>
           </a:p>
@@ -27318,7 +27311,7 @@
           <a:p>
             <a:fld id="{5EBEDA07-EB85-F34A-B76A-D8119E4BE1D6}" type="datetime1">
               <a:rPr lang="es-AR" smtClean="0"/>
-              <a:t>23/3/15</a:t>
+              <a:t>27/3/15</a:t>
             </a:fld>
             <a:endParaRPr lang="es-ES"/>
           </a:p>
@@ -27533,7 +27526,7 @@
           <a:p>
             <a:fld id="{AB6F48A5-D4EA-F54C-B23B-8BDF17F15CE7}" type="datetime1">
               <a:rPr lang="es-AR" smtClean="0"/>
-              <a:t>23/3/15</a:t>
+              <a:t>27/3/15</a:t>
             </a:fld>
             <a:endParaRPr lang="es-ES"/>
           </a:p>
@@ -31499,7 +31492,7 @@
           <a:p>
             <a:fld id="{F5CED3F6-41D9-EA4C-9AA5-3DCAF97F7B48}" type="datetime1">
               <a:rPr lang="es-AR" smtClean="0"/>
-              <a:t>23/3/15</a:t>
+              <a:t>27/3/15</a:t>
             </a:fld>
             <a:endParaRPr lang="es-ES"/>
           </a:p>
@@ -31695,7 +31688,7 @@
           <a:p>
             <a:fld id="{DC05892B-73C2-B348-B7AB-F3966B42CD81}" type="datetime1">
               <a:rPr lang="es-AR" smtClean="0"/>
-              <a:t>23/3/15</a:t>
+              <a:t>27/3/15</a:t>
             </a:fld>
             <a:endParaRPr lang="es-ES"/>
           </a:p>
@@ -31823,21 +31816,8 @@
             </a:r>
             <a:r>
               <a:rPr lang="es-ES" dirty="0" smtClean="0"/>
-              <a:t>. (</a:t>
-            </a:r>
-            <a:r>
-              <a:rPr lang="es-ES" dirty="0" smtClean="0"/>
-              <a:t>Asociación o Composici</a:t>
-            </a:r>
-            <a:r>
-              <a:rPr lang="es-ES" dirty="0" smtClean="0"/>
-              <a:t>ón</a:t>
-            </a:r>
-            <a:r>
-              <a:rPr lang="es-ES" dirty="0" smtClean="0"/>
-              <a:t>)</a:t>
-            </a:r>
-            <a:endParaRPr lang="es-ES" dirty="0" smtClean="0"/>
+              <a:t>. (Asociación o Composición)</a:t>
+            </a:r>
           </a:p>
           <a:p>
             <a:endParaRPr lang="es-ES" dirty="0" smtClean="0"/>
@@ -31939,7 +31919,7 @@
           <a:p>
             <a:fld id="{E533BA2E-669F-E948-8D98-413B048E2616}" type="datetime1">
               <a:rPr lang="es-AR" smtClean="0"/>
-              <a:t>23/3/15</a:t>
+              <a:t>27/3/15</a:t>
             </a:fld>
             <a:endParaRPr lang="es-ES"/>
           </a:p>
@@ -32075,13 +32055,8 @@
             </a:r>
             <a:r>
               <a:rPr lang="es-ES" dirty="0" smtClean="0"/>
-              <a:t>.(Asociaci</a:t>
-            </a:r>
-            <a:r>
-              <a:rPr lang="es-ES" dirty="0" smtClean="0"/>
-              <a:t>ón)</a:t>
-            </a:r>
-            <a:endParaRPr lang="es-ES" dirty="0" smtClean="0"/>
+              <a:t>.(Asociación)</a:t>
+            </a:r>
           </a:p>
           <a:p>
             <a:endParaRPr lang="es-ES" dirty="0"/>
@@ -32107,7 +32082,6 @@
               <a:rPr lang="es-ES" dirty="0" smtClean="0"/>
               <a:t>. (Herencia)</a:t>
             </a:r>
-            <a:endParaRPr lang="es-ES" dirty="0" smtClean="0"/>
           </a:p>
           <a:p>
             <a:endParaRPr lang="es-ES" dirty="0"/>
@@ -32131,15 +32105,7 @@
             </a:r>
             <a:r>
               <a:rPr lang="es-ES" dirty="0" smtClean="0"/>
-              <a:t> implementa esa interfaz</a:t>
-            </a:r>
-            <a:r>
-              <a:rPr lang="es-ES" dirty="0" smtClean="0"/>
-              <a:t>. (Realizaci</a:t>
-            </a:r>
-            <a:r>
-              <a:rPr lang="es-ES" dirty="0" smtClean="0"/>
-              <a:t>ón)</a:t>
+              <a:t> implementa esa interfaz. (Realización)</a:t>
             </a:r>
             <a:endParaRPr lang="es-ES" dirty="0"/>
           </a:p>
@@ -32189,7 +32155,7 @@
           <a:p>
             <a:fld id="{AEC0E8CF-9152-C442-893D-0FAAE11669CD}" type="datetime1">
               <a:rPr lang="es-AR" smtClean="0"/>
-              <a:t>23/3/15</a:t>
+              <a:t>27/3/15</a:t>
             </a:fld>
             <a:endParaRPr lang="es-ES"/>
           </a:p>
@@ -32609,7 +32575,7 @@
           <a:p>
             <a:fld id="{C84E8F5F-D265-4540-ACFD-4B3964B14A20}" type="datetime1">
               <a:rPr lang="es-ES" smtClean="0"/>
-              <a:t>23/3/15</a:t>
+              <a:t>27/3/15</a:t>
             </a:fld>
             <a:endParaRPr lang="es-ES"/>
           </a:p>
@@ -33587,7 +33553,7 @@
           <a:p>
             <a:fld id="{F8BD1BC5-3721-4AE9-937A-E59AFCC43621}" type="datetime1">
               <a:rPr lang="es-ES" smtClean="0"/>
-              <a:t>23/3/15</a:t>
+              <a:t>27/3/15</a:t>
             </a:fld>
             <a:endParaRPr lang="es-ES"/>
           </a:p>
@@ -33800,7 +33766,7 @@
           <a:p>
             <a:fld id="{ACCF842D-AFC1-40F4-A545-C0A7C1635C27}" type="datetime1">
               <a:rPr lang="es-ES" smtClean="0"/>
-              <a:t>23/3/15</a:t>
+              <a:t>27/3/15</a:t>
             </a:fld>
             <a:endParaRPr lang="es-ES"/>
           </a:p>
@@ -34271,7 +34237,7 @@
           <a:p>
             <a:fld id="{7C8DB35F-E1E8-4A31-A518-01FA7FC85F3D}" type="datetime1">
               <a:rPr lang="es-ES" smtClean="0"/>
-              <a:t>23/3/15</a:t>
+              <a:t>27/3/15</a:t>
             </a:fld>
             <a:endParaRPr lang="es-ES"/>
           </a:p>
@@ -34482,7 +34448,7 @@
           <a:p>
             <a:fld id="{0D62E09E-47C8-B244-92E2-00715696294B}" type="datetime1">
               <a:rPr lang="es-AR" smtClean="0"/>
-              <a:t>23/3/15</a:t>
+              <a:t>27/3/15</a:t>
             </a:fld>
             <a:endParaRPr lang="es-ES"/>
           </a:p>
@@ -34617,19 +34583,7 @@
             </a:r>
             <a:r>
               <a:rPr lang="es-ES" smtClean="0"/>
-              <a:t>, </a:t>
-            </a:r>
-            <a:r>
-              <a:rPr lang="es-ES" smtClean="0"/>
-              <a:t>pol</a:t>
-            </a:r>
-            <a:r>
-              <a:rPr lang="es-ES" smtClean="0"/>
-              <a:t>í</a:t>
-            </a:r>
-            <a:r>
-              <a:rPr lang="es-ES" smtClean="0"/>
-              <a:t>ticas</a:t>
+              <a:t>, políticas</a:t>
             </a:r>
             <a:endParaRPr lang="es-ES" dirty="0" smtClean="0"/>
           </a:p>
@@ -34759,7 +34713,7 @@
           <a:p>
             <a:fld id="{63D4BDC2-3CF7-EB4E-9622-C5D9194C04A6}" type="datetime1">
               <a:rPr lang="es-AR" smtClean="0"/>
-              <a:t>23/3/15</a:t>
+              <a:t>27/3/15</a:t>
             </a:fld>
             <a:endParaRPr lang="es-ES"/>
           </a:p>
@@ -34912,7 +34866,7 @@
           <a:p>
             <a:fld id="{EDB3EFBB-0445-C94C-BFB7-2EC1F8AAC17A}" type="datetime1">
               <a:rPr lang="es-AR" smtClean="0"/>
-              <a:t>23/3/15</a:t>
+              <a:t>27/3/15</a:t>
             </a:fld>
             <a:endParaRPr lang="es-ES"/>
           </a:p>
@@ -35146,7 +35100,7 @@
           <a:p>
             <a:fld id="{6B810901-27D5-4643-809B-EE08B57BBEB8}" type="datetime1">
               <a:rPr lang="es-AR" smtClean="0"/>
-              <a:t>23/3/15</a:t>
+              <a:t>27/3/15</a:t>
             </a:fld>
             <a:endParaRPr lang="es-ES"/>
           </a:p>
@@ -35292,7 +35246,7 @@
           <a:p>
             <a:fld id="{717B2AF7-E9BA-414A-B89A-A5D3BF028A3F}" type="datetime1">
               <a:rPr lang="es-AR" smtClean="0"/>
-              <a:t>23/3/15</a:t>
+              <a:t>27/3/15</a:t>
             </a:fld>
             <a:endParaRPr lang="es-ES"/>
           </a:p>
@@ -35410,7 +35364,7 @@
           <a:p>
             <a:fld id="{BBE19958-277E-1C4C-8D39-125D81B9EBEF}" type="datetime1">
               <a:rPr lang="es-AR" smtClean="0"/>
-              <a:t>23/3/15</a:t>
+              <a:t>27/3/15</a:t>
             </a:fld>
             <a:endParaRPr lang="es-ES"/>
           </a:p>
@@ -35686,7 +35640,7 @@
           <a:p>
             <a:fld id="{EDD92044-993A-7A44-BFCA-D7C6DA1CB102}" type="datetime1">
               <a:rPr lang="es-AR" smtClean="0"/>
-              <a:t>23/3/15</a:t>
+              <a:t>27/3/15</a:t>
             </a:fld>
             <a:endParaRPr lang="es-ES"/>
           </a:p>
@@ -35811,8 +35765,12 @@
               <a:t>Métodos muy grandes, con muchas </a:t>
             </a:r>
             <a:r>
+              <a:rPr lang="es-ES" dirty="0" err="1"/>
+              <a:t>L</a:t>
+            </a:r>
+            <a:r>
               <a:rPr lang="es-ES" dirty="0" err="1" smtClean="0"/>
-              <a:t>lOCs</a:t>
+              <a:t>OCs</a:t>
             </a:r>
             <a:r>
               <a:rPr lang="es-ES" dirty="0" smtClean="0"/>
@@ -35886,7 +35844,7 @@
           <a:p>
             <a:fld id="{17D33E65-D20E-DF4E-8905-4E3F4604CE32}" type="datetime1">
               <a:rPr lang="es-AR" smtClean="0"/>
-              <a:t>23/3/15</a:t>
+              <a:t>27/3/15</a:t>
             </a:fld>
             <a:endParaRPr lang="es-ES"/>
           </a:p>
@@ -36091,7 +36049,7 @@
           <a:p>
             <a:fld id="{41C8584C-7818-8B4C-BBE0-574C4B577E2A}" type="datetime1">
               <a:rPr lang="es-AR" smtClean="0"/>
-              <a:t>23/3/15</a:t>
+              <a:t>27/3/15</a:t>
             </a:fld>
             <a:endParaRPr lang="es-ES"/>
           </a:p>
@@ -36212,7 +36170,7 @@
         </p:blipFill>
         <p:spPr>
           <a:xfrm>
-            <a:off x="6003490" y="2112197"/>
+            <a:off x="5933305" y="1948625"/>
             <a:ext cx="2753495" cy="4443864"/>
           </a:xfrm>
           <a:prstGeom prst="rect">
@@ -36447,7 +36405,7 @@
           <a:p>
             <a:fld id="{8FB37EA5-ACAD-BE4C-A69B-480328725A30}" type="datetime1">
               <a:rPr lang="es-AR" smtClean="0"/>
-              <a:t>23/3/15</a:t>
+              <a:t>27/3/15</a:t>
             </a:fld>
             <a:endParaRPr lang="es-ES"/>
           </a:p>
@@ -36818,7 +36776,7 @@
           <a:p>
             <a:fld id="{D3DC1CF5-1AF0-F24B-A268-9BE94539E350}" type="datetime1">
               <a:rPr lang="es-AR" smtClean="0"/>
-              <a:t>23/3/15</a:t>
+              <a:t>27/3/15</a:t>
             </a:fld>
             <a:endParaRPr lang="es-ES"/>
           </a:p>
